--- a/4.pptx
+++ b/4.pptx
@@ -47,6 +47,18 @@
     <p:sldId id="296" r:id="rId41"/>
     <p:sldId id="295" r:id="rId42"/>
     <p:sldId id="297" r:id="rId43"/>
+    <p:sldId id="298" r:id="rId44"/>
+    <p:sldId id="299" r:id="rId45"/>
+    <p:sldId id="300" r:id="rId46"/>
+    <p:sldId id="301" r:id="rId47"/>
+    <p:sldId id="302" r:id="rId48"/>
+    <p:sldId id="303" r:id="rId49"/>
+    <p:sldId id="304" r:id="rId50"/>
+    <p:sldId id="305" r:id="rId51"/>
+    <p:sldId id="306" r:id="rId52"/>
+    <p:sldId id="307" r:id="rId53"/>
+    <p:sldId id="308" r:id="rId54"/>
+    <p:sldId id="309" r:id="rId55"/>
   </p:sldIdLst>
   <p:sldSz cx="12192000" cy="6858000"/>
   <p:notesSz cx="6858000" cy="9144000"/>
@@ -145,6 +157,11 @@
       </a:defRPr>
     </a:lvl9pPr>
   </p:defaultTextStyle>
+  <p:extLst>
+    <p:ext uri="{EFAFB233-063F-42B5-8137-9DF3F51BA10A}">
+      <p15:sldGuideLst xmlns:p15="http://schemas.microsoft.com/office/powerpoint/2012/main"/>
+    </p:ext>
+  </p:extLst>
 </p:presentation>
 </file>
 
@@ -7862,8 +7879,8 @@
           </a:p>
         </p:txBody>
       </p:sp>
-      <mc:AlternateContent xmlns:mc="http://schemas.openxmlformats.org/markup-compatibility/2006">
-        <mc:Choice xmlns:a14="http://schemas.microsoft.com/office/drawing/2010/main" Requires="a14">
+      <mc:AlternateContent xmlns:mc="http://schemas.openxmlformats.org/markup-compatibility/2006" xmlns:a14="http://schemas.microsoft.com/office/drawing/2010/main">
+        <mc:Choice Requires="a14">
           <p:sp>
             <p:nvSpPr>
               <p:cNvPr id="3" name="Content Placeholder 2">
@@ -7967,7 +7984,7 @@
             </p:txBody>
           </p:sp>
         </mc:Choice>
-        <mc:Fallback>
+        <mc:Fallback xmlns="">
           <p:sp>
             <p:nvSpPr>
               <p:cNvPr id="3" name="Content Placeholder 2">
@@ -8215,13 +8232,36 @@
           <a:p>
             <a:r>
               <a:rPr lang="en-GB" altLang="zh-TW" dirty="0"/>
-              <a:t>Dijkstra’s algorithm. (will talk </a:t>
-            </a:r>
-            <a:r>
-              <a:rPr lang="en-GB" altLang="zh-TW"/>
-              <a:t>about later)</a:t>
-            </a:r>
-            <a:endParaRPr lang="zh-TW" altLang="en-US" dirty="0"/>
+              <a:t>Dijkstra’s algorithm. (will talk about later)</a:t>
+            </a:r>
+          </a:p>
+          <a:p>
+            <a:r>
+              <a:rPr lang="en-GB" altLang="zh-TW" dirty="0"/>
+              <a:t>K nearest </a:t>
+            </a:r>
+            <a:r>
+              <a:rPr lang="en-GB" altLang="zh-TW" dirty="0" err="1"/>
+              <a:t>neighbors</a:t>
+            </a:r>
+            <a:r>
+              <a:rPr lang="en-GB" altLang="zh-TW" dirty="0"/>
+              <a:t> (machine learning)</a:t>
+            </a:r>
+          </a:p>
+          <a:p>
+            <a:r>
+              <a:rPr lang="en-GB" altLang="zh-TW" dirty="0"/>
+              <a:t>Huffman</a:t>
+            </a:r>
+            <a:r>
+              <a:rPr lang="zh-TW" altLang="en-US" dirty="0"/>
+              <a:t> </a:t>
+            </a:r>
+            <a:r>
+              <a:rPr lang="en-GB" altLang="zh-TW" dirty="0"/>
+              <a:t>coding</a:t>
+            </a:r>
           </a:p>
         </p:txBody>
       </p:sp>
@@ -8229,6 +8269,804 @@
     <p:extLst>
       <p:ext uri="{BB962C8B-B14F-4D97-AF65-F5344CB8AC3E}">
         <p14:creationId xmlns:p14="http://schemas.microsoft.com/office/powerpoint/2010/main" val="1692291526"/>
+      </p:ext>
+    </p:extLst>
+  </p:cSld>
+  <p:clrMapOvr>
+    <a:masterClrMapping/>
+  </p:clrMapOvr>
+</p:sld>
+</file>
+
+<file path=ppt/slides/slide43.xml><?xml version="1.0" encoding="utf-8"?>
+<p:sld xmlns:a="http://schemas.openxmlformats.org/drawingml/2006/main" xmlns:r="http://schemas.openxmlformats.org/officeDocument/2006/relationships" xmlns:p="http://schemas.openxmlformats.org/presentationml/2006/main">
+  <p:cSld>
+    <p:spTree>
+      <p:nvGrpSpPr>
+        <p:cNvPr id="1" name=""/>
+        <p:cNvGrpSpPr/>
+        <p:nvPr/>
+      </p:nvGrpSpPr>
+      <p:grpSpPr>
+        <a:xfrm>
+          <a:off x="0" y="0"/>
+          <a:ext cx="0" cy="0"/>
+          <a:chOff x="0" y="0"/>
+          <a:chExt cx="0" cy="0"/>
+        </a:xfrm>
+      </p:grpSpPr>
+      <p:sp>
+        <p:nvSpPr>
+          <p:cNvPr id="2" name="Title 1">
+            <a:extLst>
+              <a:ext uri="{FF2B5EF4-FFF2-40B4-BE49-F238E27FC236}">
+                <a16:creationId xmlns:a16="http://schemas.microsoft.com/office/drawing/2014/main" id="{39263A67-D9AC-4A0B-BC71-3C241A68D096}"/>
+              </a:ext>
+            </a:extLst>
+          </p:cNvPr>
+          <p:cNvSpPr>
+            <a:spLocks noGrp="1"/>
+          </p:cNvSpPr>
+          <p:nvPr>
+            <p:ph type="title"/>
+          </p:nvPr>
+        </p:nvSpPr>
+        <p:spPr/>
+        <p:txBody>
+          <a:bodyPr/>
+          <a:lstStyle/>
+          <a:p>
+            <a:r>
+              <a:rPr lang="en-GB" altLang="zh-TW" dirty="0"/>
+              <a:t>Huffman coding</a:t>
+            </a:r>
+            <a:endParaRPr lang="zh-TW" altLang="en-US" dirty="0"/>
+          </a:p>
+        </p:txBody>
+      </p:sp>
+      <p:sp>
+        <p:nvSpPr>
+          <p:cNvPr id="3" name="Content Placeholder 2">
+            <a:extLst>
+              <a:ext uri="{FF2B5EF4-FFF2-40B4-BE49-F238E27FC236}">
+                <a16:creationId xmlns:a16="http://schemas.microsoft.com/office/drawing/2014/main" id="{009ABD1D-0782-458A-93C0-F4209138AC09}"/>
+              </a:ext>
+            </a:extLst>
+          </p:cNvPr>
+          <p:cNvSpPr>
+            <a:spLocks noGrp="1"/>
+          </p:cNvSpPr>
+          <p:nvPr>
+            <p:ph idx="1"/>
+          </p:nvPr>
+        </p:nvSpPr>
+        <p:spPr/>
+        <p:txBody>
+          <a:bodyPr/>
+          <a:lstStyle/>
+          <a:p>
+            <a:r>
+              <a:rPr lang="en-GB" altLang="zh-TW" dirty="0"/>
+              <a:t>A way to compress data in 0 and 1’s</a:t>
+            </a:r>
+          </a:p>
+          <a:p>
+            <a:endParaRPr lang="en-GB" altLang="zh-TW" dirty="0"/>
+          </a:p>
+          <a:p>
+            <a:r>
+              <a:rPr lang="en-GB" altLang="zh-TW" dirty="0"/>
+              <a:t>An example:</a:t>
+            </a:r>
+          </a:p>
+          <a:p>
+            <a:r>
+              <a:rPr lang="en-GB" altLang="zh-TW" dirty="0" err="1"/>
+              <a:t>mississippi</a:t>
+            </a:r>
+            <a:r>
+              <a:rPr lang="en-GB" altLang="zh-TW" dirty="0"/>
+              <a:t> → 100011110111101011010</a:t>
+            </a:r>
+            <a:endParaRPr lang="zh-TW" altLang="en-US" dirty="0"/>
+          </a:p>
+        </p:txBody>
+      </p:sp>
+    </p:spTree>
+    <p:extLst>
+      <p:ext uri="{BB962C8B-B14F-4D97-AF65-F5344CB8AC3E}">
+        <p14:creationId xmlns:p14="http://schemas.microsoft.com/office/powerpoint/2010/main" val="1457846150"/>
+      </p:ext>
+    </p:extLst>
+  </p:cSld>
+  <p:clrMapOvr>
+    <a:masterClrMapping/>
+  </p:clrMapOvr>
+</p:sld>
+</file>
+
+<file path=ppt/slides/slide44.xml><?xml version="1.0" encoding="utf-8"?>
+<p:sld xmlns:a="http://schemas.openxmlformats.org/drawingml/2006/main" xmlns:r="http://schemas.openxmlformats.org/officeDocument/2006/relationships" xmlns:p="http://schemas.openxmlformats.org/presentationml/2006/main">
+  <p:cSld>
+    <p:spTree>
+      <p:nvGrpSpPr>
+        <p:cNvPr id="1" name=""/>
+        <p:cNvGrpSpPr/>
+        <p:nvPr/>
+      </p:nvGrpSpPr>
+      <p:grpSpPr>
+        <a:xfrm>
+          <a:off x="0" y="0"/>
+          <a:ext cx="0" cy="0"/>
+          <a:chOff x="0" y="0"/>
+          <a:chExt cx="0" cy="0"/>
+        </a:xfrm>
+      </p:grpSpPr>
+      <p:sp>
+        <p:nvSpPr>
+          <p:cNvPr id="2" name="Title 1">
+            <a:extLst>
+              <a:ext uri="{FF2B5EF4-FFF2-40B4-BE49-F238E27FC236}">
+                <a16:creationId xmlns:a16="http://schemas.microsoft.com/office/drawing/2014/main" id="{D9ABC210-46F5-475C-947E-521AD84DD11E}"/>
+              </a:ext>
+            </a:extLst>
+          </p:cNvPr>
+          <p:cNvSpPr>
+            <a:spLocks noGrp="1"/>
+          </p:cNvSpPr>
+          <p:nvPr>
+            <p:ph type="title"/>
+          </p:nvPr>
+        </p:nvSpPr>
+        <p:spPr/>
+        <p:txBody>
+          <a:bodyPr/>
+          <a:lstStyle/>
+          <a:p>
+            <a:endParaRPr lang="zh-TW" altLang="en-US"/>
+          </a:p>
+        </p:txBody>
+      </p:sp>
+      <p:sp>
+        <p:nvSpPr>
+          <p:cNvPr id="3" name="Content Placeholder 2">
+            <a:extLst>
+              <a:ext uri="{FF2B5EF4-FFF2-40B4-BE49-F238E27FC236}">
+                <a16:creationId xmlns:a16="http://schemas.microsoft.com/office/drawing/2014/main" id="{5344A863-7880-449A-8C59-4F168D8E807A}"/>
+              </a:ext>
+            </a:extLst>
+          </p:cNvPr>
+          <p:cNvSpPr>
+            <a:spLocks noGrp="1"/>
+          </p:cNvSpPr>
+          <p:nvPr>
+            <p:ph idx="1"/>
+          </p:nvPr>
+        </p:nvSpPr>
+        <p:spPr/>
+        <p:txBody>
+          <a:bodyPr/>
+          <a:lstStyle/>
+          <a:p>
+            <a:r>
+              <a:rPr lang="en-GB" altLang="zh-TW" dirty="0"/>
+              <a:t>We choose</a:t>
+            </a:r>
+          </a:p>
+          <a:p>
+            <a:r>
+              <a:rPr lang="pl-PL" altLang="zh-TW" dirty="0"/>
+              <a:t>i → 0</a:t>
+            </a:r>
+            <a:endParaRPr lang="en-GB" altLang="zh-TW" dirty="0"/>
+          </a:p>
+          <a:p>
+            <a:r>
+              <a:rPr lang="pl-PL" altLang="zh-TW" dirty="0"/>
+              <a:t>s → 11</a:t>
+            </a:r>
+            <a:endParaRPr lang="en-GB" altLang="zh-TW" dirty="0"/>
+          </a:p>
+          <a:p>
+            <a:r>
+              <a:rPr lang="pl-PL" altLang="zh-TW" dirty="0"/>
+              <a:t>m → 100</a:t>
+            </a:r>
+            <a:endParaRPr lang="en-GB" altLang="zh-TW" dirty="0"/>
+          </a:p>
+          <a:p>
+            <a:r>
+              <a:rPr lang="pl-PL" altLang="zh-TW" dirty="0"/>
+              <a:t>p → 101 </a:t>
+            </a:r>
+            <a:endParaRPr lang="en-GB" altLang="zh-TW" dirty="0"/>
+          </a:p>
+          <a:p>
+            <a:endParaRPr lang="en-GB" altLang="zh-TW" dirty="0"/>
+          </a:p>
+          <a:p>
+            <a:r>
+              <a:rPr lang="en-GB" altLang="zh-TW" dirty="0"/>
+              <a:t>It’s a </a:t>
+            </a:r>
+            <a:r>
+              <a:rPr lang="en-GB" altLang="zh-TW" dirty="0">
+                <a:solidFill>
+                  <a:srgbClr val="FF0000"/>
+                </a:solidFill>
+              </a:rPr>
+              <a:t>prefix code </a:t>
+            </a:r>
+            <a:r>
+              <a:rPr lang="en-GB" altLang="zh-TW" dirty="0"/>
+              <a:t>: no sequence is a prefix of another</a:t>
+            </a:r>
+            <a:endParaRPr lang="zh-TW" altLang="en-US" dirty="0"/>
+          </a:p>
+        </p:txBody>
+      </p:sp>
+    </p:spTree>
+    <p:extLst>
+      <p:ext uri="{BB962C8B-B14F-4D97-AF65-F5344CB8AC3E}">
+        <p14:creationId xmlns:p14="http://schemas.microsoft.com/office/powerpoint/2010/main" val="4294201908"/>
+      </p:ext>
+    </p:extLst>
+  </p:cSld>
+  <p:clrMapOvr>
+    <a:masterClrMapping/>
+  </p:clrMapOvr>
+</p:sld>
+</file>
+
+<file path=ppt/slides/slide45.xml><?xml version="1.0" encoding="utf-8"?>
+<p:sld xmlns:a="http://schemas.openxmlformats.org/drawingml/2006/main" xmlns:r="http://schemas.openxmlformats.org/officeDocument/2006/relationships" xmlns:p="http://schemas.openxmlformats.org/presentationml/2006/main">
+  <p:cSld>
+    <p:spTree>
+      <p:nvGrpSpPr>
+        <p:cNvPr id="1" name=""/>
+        <p:cNvGrpSpPr/>
+        <p:nvPr/>
+      </p:nvGrpSpPr>
+      <p:grpSpPr>
+        <a:xfrm>
+          <a:off x="0" y="0"/>
+          <a:ext cx="0" cy="0"/>
+          <a:chOff x="0" y="0"/>
+          <a:chExt cx="0" cy="0"/>
+        </a:xfrm>
+      </p:grpSpPr>
+      <p:sp>
+        <p:nvSpPr>
+          <p:cNvPr id="2" name="Title 1">
+            <a:extLst>
+              <a:ext uri="{FF2B5EF4-FFF2-40B4-BE49-F238E27FC236}">
+                <a16:creationId xmlns:a16="http://schemas.microsoft.com/office/drawing/2014/main" id="{5E769EE4-A709-4E3B-BCAF-09C3602F65E4}"/>
+              </a:ext>
+            </a:extLst>
+          </p:cNvPr>
+          <p:cNvSpPr>
+            <a:spLocks noGrp="1"/>
+          </p:cNvSpPr>
+          <p:nvPr>
+            <p:ph type="title"/>
+          </p:nvPr>
+        </p:nvSpPr>
+        <p:spPr/>
+        <p:txBody>
+          <a:bodyPr/>
+          <a:lstStyle/>
+          <a:p>
+            <a:endParaRPr lang="zh-TW" altLang="en-US"/>
+          </a:p>
+        </p:txBody>
+      </p:sp>
+      <p:sp>
+        <p:nvSpPr>
+          <p:cNvPr id="3" name="Content Placeholder 2">
+            <a:extLst>
+              <a:ext uri="{FF2B5EF4-FFF2-40B4-BE49-F238E27FC236}">
+                <a16:creationId xmlns:a16="http://schemas.microsoft.com/office/drawing/2014/main" id="{D6975CFE-F671-426C-AF5D-001A6FF85276}"/>
+              </a:ext>
+            </a:extLst>
+          </p:cNvPr>
+          <p:cNvSpPr>
+            <a:spLocks noGrp="1"/>
+          </p:cNvSpPr>
+          <p:nvPr>
+            <p:ph idx="1"/>
+          </p:nvPr>
+        </p:nvSpPr>
+        <p:spPr/>
+        <p:txBody>
+          <a:bodyPr/>
+          <a:lstStyle/>
+          <a:p>
+            <a:r>
+              <a:rPr lang="en-GB" altLang="zh-TW" dirty="0"/>
+              <a:t>We can represent the encoding using a prefix binary tree:</a:t>
+            </a:r>
+          </a:p>
+          <a:p>
+            <a:r>
+              <a:rPr lang="en-GB" altLang="zh-TW" dirty="0"/>
+              <a:t>Where 0 = left, 1 = right</a:t>
+            </a:r>
+            <a:endParaRPr lang="zh-TW" altLang="en-US" dirty="0"/>
+          </a:p>
+        </p:txBody>
+      </p:sp>
+      <p:pic>
+        <p:nvPicPr>
+          <p:cNvPr id="4" name="Picture 3">
+            <a:extLst>
+              <a:ext uri="{FF2B5EF4-FFF2-40B4-BE49-F238E27FC236}">
+                <a16:creationId xmlns:a16="http://schemas.microsoft.com/office/drawing/2014/main" id="{FA266BE2-5725-427E-B6C1-1A78D33808C7}"/>
+              </a:ext>
+            </a:extLst>
+          </p:cNvPr>
+          <p:cNvPicPr>
+            <a:picLocks noChangeAspect="1"/>
+          </p:cNvPicPr>
+          <p:nvPr/>
+        </p:nvPicPr>
+        <p:blipFill>
+          <a:blip r:embed="rId2"/>
+          <a:stretch>
+            <a:fillRect/>
+          </a:stretch>
+        </p:blipFill>
+        <p:spPr>
+          <a:xfrm>
+            <a:off x="6763660" y="2865083"/>
+            <a:ext cx="2698839" cy="3025451"/>
+          </a:xfrm>
+          <a:prstGeom prst="rect">
+            <a:avLst/>
+          </a:prstGeom>
+        </p:spPr>
+      </p:pic>
+    </p:spTree>
+    <p:extLst>
+      <p:ext uri="{BB962C8B-B14F-4D97-AF65-F5344CB8AC3E}">
+        <p14:creationId xmlns:p14="http://schemas.microsoft.com/office/powerpoint/2010/main" val="391812054"/>
+      </p:ext>
+    </p:extLst>
+  </p:cSld>
+  <p:clrMapOvr>
+    <a:masterClrMapping/>
+  </p:clrMapOvr>
+</p:sld>
+</file>
+
+<file path=ppt/slides/slide46.xml><?xml version="1.0" encoding="utf-8"?>
+<p:sld xmlns:a="http://schemas.openxmlformats.org/drawingml/2006/main" xmlns:r="http://schemas.openxmlformats.org/officeDocument/2006/relationships" xmlns:p="http://schemas.openxmlformats.org/presentationml/2006/main">
+  <p:cSld>
+    <p:spTree>
+      <p:nvGrpSpPr>
+        <p:cNvPr id="1" name=""/>
+        <p:cNvGrpSpPr/>
+        <p:nvPr/>
+      </p:nvGrpSpPr>
+      <p:grpSpPr>
+        <a:xfrm>
+          <a:off x="0" y="0"/>
+          <a:ext cx="0" cy="0"/>
+          <a:chOff x="0" y="0"/>
+          <a:chExt cx="0" cy="0"/>
+        </a:xfrm>
+      </p:grpSpPr>
+      <p:sp>
+        <p:nvSpPr>
+          <p:cNvPr id="2" name="Title 1">
+            <a:extLst>
+              <a:ext uri="{FF2B5EF4-FFF2-40B4-BE49-F238E27FC236}">
+                <a16:creationId xmlns:a16="http://schemas.microsoft.com/office/drawing/2014/main" id="{A6B213F8-ECC6-44E2-A66E-03797B7C75E4}"/>
+              </a:ext>
+            </a:extLst>
+          </p:cNvPr>
+          <p:cNvSpPr>
+            <a:spLocks noGrp="1"/>
+          </p:cNvSpPr>
+          <p:nvPr>
+            <p:ph type="title"/>
+          </p:nvPr>
+        </p:nvSpPr>
+        <p:spPr/>
+        <p:txBody>
+          <a:bodyPr/>
+          <a:lstStyle/>
+          <a:p>
+            <a:r>
+              <a:rPr lang="en-GB" altLang="zh-TW" dirty="0"/>
+              <a:t>Huffman’s algorithm</a:t>
+            </a:r>
+            <a:endParaRPr lang="zh-TW" altLang="en-US" dirty="0"/>
+          </a:p>
+        </p:txBody>
+      </p:sp>
+      <p:sp>
+        <p:nvSpPr>
+          <p:cNvPr id="3" name="Content Placeholder 2">
+            <a:extLst>
+              <a:ext uri="{FF2B5EF4-FFF2-40B4-BE49-F238E27FC236}">
+                <a16:creationId xmlns:a16="http://schemas.microsoft.com/office/drawing/2014/main" id="{0B3FFAF0-79CB-4CC7-BE1F-23B7F11B50D9}"/>
+              </a:ext>
+            </a:extLst>
+          </p:cNvPr>
+          <p:cNvSpPr>
+            <a:spLocks noGrp="1"/>
+          </p:cNvSpPr>
+          <p:nvPr>
+            <p:ph idx="1"/>
+          </p:nvPr>
+        </p:nvSpPr>
+        <p:spPr/>
+        <p:txBody>
+          <a:bodyPr/>
+          <a:lstStyle/>
+          <a:p>
+            <a:r>
+              <a:rPr lang="en-GB" altLang="zh-TW" dirty="0"/>
+              <a:t>1. Initially, each character is a leaf with its frequency</a:t>
+            </a:r>
+          </a:p>
+          <a:p>
+            <a:r>
+              <a:rPr lang="en-GB" altLang="zh-TW" dirty="0"/>
+              <a:t>2. As long as there are two disjoint nodes</a:t>
+            </a:r>
+          </a:p>
+          <a:p>
+            <a:pPr lvl="1"/>
+            <a:r>
+              <a:rPr lang="en-GB" altLang="zh-TW" dirty="0"/>
+              <a:t>Choose two nodes with the least frequencies</a:t>
+            </a:r>
+          </a:p>
+          <a:p>
+            <a:pPr lvl="1"/>
+            <a:r>
+              <a:rPr lang="en-GB" altLang="zh-TW" dirty="0"/>
+              <a:t>Merge them, and add the frequencies</a:t>
+            </a:r>
+            <a:endParaRPr lang="zh-TW" altLang="en-US" dirty="0"/>
+          </a:p>
+        </p:txBody>
+      </p:sp>
+    </p:spTree>
+    <p:extLst>
+      <p:ext uri="{BB962C8B-B14F-4D97-AF65-F5344CB8AC3E}">
+        <p14:creationId xmlns:p14="http://schemas.microsoft.com/office/powerpoint/2010/main" val="3833979786"/>
+      </p:ext>
+    </p:extLst>
+  </p:cSld>
+  <p:clrMapOvr>
+    <a:masterClrMapping/>
+  </p:clrMapOvr>
+</p:sld>
+</file>
+
+<file path=ppt/slides/slide47.xml><?xml version="1.0" encoding="utf-8"?>
+<p:sld xmlns:a="http://schemas.openxmlformats.org/drawingml/2006/main" xmlns:r="http://schemas.openxmlformats.org/officeDocument/2006/relationships" xmlns:p="http://schemas.openxmlformats.org/presentationml/2006/main">
+  <p:cSld>
+    <p:spTree>
+      <p:nvGrpSpPr>
+        <p:cNvPr id="1" name=""/>
+        <p:cNvGrpSpPr/>
+        <p:nvPr/>
+      </p:nvGrpSpPr>
+      <p:grpSpPr>
+        <a:xfrm>
+          <a:off x="0" y="0"/>
+          <a:ext cx="0" cy="0"/>
+          <a:chOff x="0" y="0"/>
+          <a:chExt cx="0" cy="0"/>
+        </a:xfrm>
+      </p:grpSpPr>
+      <p:sp>
+        <p:nvSpPr>
+          <p:cNvPr id="2" name="Title 1">
+            <a:extLst>
+              <a:ext uri="{FF2B5EF4-FFF2-40B4-BE49-F238E27FC236}">
+                <a16:creationId xmlns:a16="http://schemas.microsoft.com/office/drawing/2014/main" id="{27298C03-FD08-4BA2-A9E0-40DDA75173EB}"/>
+              </a:ext>
+            </a:extLst>
+          </p:cNvPr>
+          <p:cNvSpPr>
+            <a:spLocks noGrp="1"/>
+          </p:cNvSpPr>
+          <p:nvPr>
+            <p:ph type="title"/>
+          </p:nvPr>
+        </p:nvSpPr>
+        <p:spPr/>
+        <p:txBody>
+          <a:bodyPr/>
+          <a:lstStyle/>
+          <a:p>
+            <a:endParaRPr lang="zh-TW" altLang="en-US"/>
+          </a:p>
+        </p:txBody>
+      </p:sp>
+      <p:sp>
+        <p:nvSpPr>
+          <p:cNvPr id="3" name="Content Placeholder 2">
+            <a:extLst>
+              <a:ext uri="{FF2B5EF4-FFF2-40B4-BE49-F238E27FC236}">
+                <a16:creationId xmlns:a16="http://schemas.microsoft.com/office/drawing/2014/main" id="{C7EE6218-31FD-4EE6-87AC-183EEEEA14F3}"/>
+              </a:ext>
+            </a:extLst>
+          </p:cNvPr>
+          <p:cNvSpPr>
+            <a:spLocks noGrp="1"/>
+          </p:cNvSpPr>
+          <p:nvPr>
+            <p:ph idx="1"/>
+          </p:nvPr>
+        </p:nvSpPr>
+        <p:spPr/>
+        <p:txBody>
+          <a:bodyPr/>
+          <a:lstStyle/>
+          <a:p>
+            <a:endParaRPr lang="zh-TW" altLang="en-US"/>
+          </a:p>
+        </p:txBody>
+      </p:sp>
+      <p:pic>
+        <p:nvPicPr>
+          <p:cNvPr id="4" name="Picture 3">
+            <a:extLst>
+              <a:ext uri="{FF2B5EF4-FFF2-40B4-BE49-F238E27FC236}">
+                <a16:creationId xmlns:a16="http://schemas.microsoft.com/office/drawing/2014/main" id="{59A3674F-2E83-4C6C-8CD1-402FCE18BD2E}"/>
+              </a:ext>
+            </a:extLst>
+          </p:cNvPr>
+          <p:cNvPicPr>
+            <a:picLocks noChangeAspect="1"/>
+          </p:cNvPicPr>
+          <p:nvPr/>
+        </p:nvPicPr>
+        <p:blipFill>
+          <a:blip r:embed="rId2"/>
+          <a:stretch>
+            <a:fillRect/>
+          </a:stretch>
+        </p:blipFill>
+        <p:spPr>
+          <a:xfrm>
+            <a:off x="3541448" y="3482000"/>
+            <a:ext cx="4961156" cy="802323"/>
+          </a:xfrm>
+          <a:prstGeom prst="rect">
+            <a:avLst/>
+          </a:prstGeom>
+        </p:spPr>
+      </p:pic>
+    </p:spTree>
+    <p:extLst>
+      <p:ext uri="{BB962C8B-B14F-4D97-AF65-F5344CB8AC3E}">
+        <p14:creationId xmlns:p14="http://schemas.microsoft.com/office/powerpoint/2010/main" val="2807930149"/>
+      </p:ext>
+    </p:extLst>
+  </p:cSld>
+  <p:clrMapOvr>
+    <a:masterClrMapping/>
+  </p:clrMapOvr>
+</p:sld>
+</file>
+
+<file path=ppt/slides/slide48.xml><?xml version="1.0" encoding="utf-8"?>
+<p:sld xmlns:a="http://schemas.openxmlformats.org/drawingml/2006/main" xmlns:r="http://schemas.openxmlformats.org/officeDocument/2006/relationships" xmlns:p="http://schemas.openxmlformats.org/presentationml/2006/main">
+  <p:cSld>
+    <p:spTree>
+      <p:nvGrpSpPr>
+        <p:cNvPr id="1" name=""/>
+        <p:cNvGrpSpPr/>
+        <p:nvPr/>
+      </p:nvGrpSpPr>
+      <p:grpSpPr>
+        <a:xfrm>
+          <a:off x="0" y="0"/>
+          <a:ext cx="0" cy="0"/>
+          <a:chOff x="0" y="0"/>
+          <a:chExt cx="0" cy="0"/>
+        </a:xfrm>
+      </p:grpSpPr>
+      <p:sp>
+        <p:nvSpPr>
+          <p:cNvPr id="2" name="Title 1">
+            <a:extLst>
+              <a:ext uri="{FF2B5EF4-FFF2-40B4-BE49-F238E27FC236}">
+                <a16:creationId xmlns:a16="http://schemas.microsoft.com/office/drawing/2014/main" id="{D1EAD484-4707-4299-9678-4FF146465D4A}"/>
+              </a:ext>
+            </a:extLst>
+          </p:cNvPr>
+          <p:cNvSpPr>
+            <a:spLocks noGrp="1"/>
+          </p:cNvSpPr>
+          <p:nvPr>
+            <p:ph type="title"/>
+          </p:nvPr>
+        </p:nvSpPr>
+        <p:spPr/>
+        <p:txBody>
+          <a:bodyPr/>
+          <a:lstStyle/>
+          <a:p>
+            <a:endParaRPr lang="zh-TW" altLang="en-US"/>
+          </a:p>
+        </p:txBody>
+      </p:sp>
+      <p:sp>
+        <p:nvSpPr>
+          <p:cNvPr id="3" name="Content Placeholder 2">
+            <a:extLst>
+              <a:ext uri="{FF2B5EF4-FFF2-40B4-BE49-F238E27FC236}">
+                <a16:creationId xmlns:a16="http://schemas.microsoft.com/office/drawing/2014/main" id="{7D8ED743-EF06-480D-ACD5-B1A169AF9683}"/>
+              </a:ext>
+            </a:extLst>
+          </p:cNvPr>
+          <p:cNvSpPr>
+            <a:spLocks noGrp="1"/>
+          </p:cNvSpPr>
+          <p:nvPr>
+            <p:ph idx="1"/>
+          </p:nvPr>
+        </p:nvSpPr>
+        <p:spPr/>
+        <p:txBody>
+          <a:bodyPr/>
+          <a:lstStyle/>
+          <a:p>
+            <a:endParaRPr lang="zh-TW" altLang="en-US"/>
+          </a:p>
+        </p:txBody>
+      </p:sp>
+      <p:pic>
+        <p:nvPicPr>
+          <p:cNvPr id="4" name="Picture 3">
+            <a:extLst>
+              <a:ext uri="{FF2B5EF4-FFF2-40B4-BE49-F238E27FC236}">
+                <a16:creationId xmlns:a16="http://schemas.microsoft.com/office/drawing/2014/main" id="{A2F74A77-1DF8-4550-9BA5-9C22AC99C031}"/>
+              </a:ext>
+            </a:extLst>
+          </p:cNvPr>
+          <p:cNvPicPr>
+            <a:picLocks noChangeAspect="1"/>
+          </p:cNvPicPr>
+          <p:nvPr/>
+        </p:nvPicPr>
+        <p:blipFill>
+          <a:blip r:embed="rId2"/>
+          <a:stretch>
+            <a:fillRect/>
+          </a:stretch>
+        </p:blipFill>
+        <p:spPr>
+          <a:xfrm>
+            <a:off x="3720298" y="3064549"/>
+            <a:ext cx="4395841" cy="1712934"/>
+          </a:xfrm>
+          <a:prstGeom prst="rect">
+            <a:avLst/>
+          </a:prstGeom>
+        </p:spPr>
+      </p:pic>
+    </p:spTree>
+    <p:extLst>
+      <p:ext uri="{BB962C8B-B14F-4D97-AF65-F5344CB8AC3E}">
+        <p14:creationId xmlns:p14="http://schemas.microsoft.com/office/powerpoint/2010/main" val="2345763063"/>
+      </p:ext>
+    </p:extLst>
+  </p:cSld>
+  <p:clrMapOvr>
+    <a:masterClrMapping/>
+  </p:clrMapOvr>
+</p:sld>
+</file>
+
+<file path=ppt/slides/slide49.xml><?xml version="1.0" encoding="utf-8"?>
+<p:sld xmlns:a="http://schemas.openxmlformats.org/drawingml/2006/main" xmlns:r="http://schemas.openxmlformats.org/officeDocument/2006/relationships" xmlns:p="http://schemas.openxmlformats.org/presentationml/2006/main">
+  <p:cSld>
+    <p:spTree>
+      <p:nvGrpSpPr>
+        <p:cNvPr id="1" name=""/>
+        <p:cNvGrpSpPr/>
+        <p:nvPr/>
+      </p:nvGrpSpPr>
+      <p:grpSpPr>
+        <a:xfrm>
+          <a:off x="0" y="0"/>
+          <a:ext cx="0" cy="0"/>
+          <a:chOff x="0" y="0"/>
+          <a:chExt cx="0" cy="0"/>
+        </a:xfrm>
+      </p:grpSpPr>
+      <p:sp>
+        <p:nvSpPr>
+          <p:cNvPr id="2" name="Title 1">
+            <a:extLst>
+              <a:ext uri="{FF2B5EF4-FFF2-40B4-BE49-F238E27FC236}">
+                <a16:creationId xmlns:a16="http://schemas.microsoft.com/office/drawing/2014/main" id="{A0AE4A55-166C-464B-A760-671B5ED8CC46}"/>
+              </a:ext>
+            </a:extLst>
+          </p:cNvPr>
+          <p:cNvSpPr>
+            <a:spLocks noGrp="1"/>
+          </p:cNvSpPr>
+          <p:nvPr>
+            <p:ph type="title"/>
+          </p:nvPr>
+        </p:nvSpPr>
+        <p:spPr/>
+        <p:txBody>
+          <a:bodyPr/>
+          <a:lstStyle/>
+          <a:p>
+            <a:endParaRPr lang="zh-TW" altLang="en-US"/>
+          </a:p>
+        </p:txBody>
+      </p:sp>
+      <p:sp>
+        <p:nvSpPr>
+          <p:cNvPr id="3" name="Content Placeholder 2">
+            <a:extLst>
+              <a:ext uri="{FF2B5EF4-FFF2-40B4-BE49-F238E27FC236}">
+                <a16:creationId xmlns:a16="http://schemas.microsoft.com/office/drawing/2014/main" id="{C1AB50CB-A51F-4839-81B9-C55F3026D26F}"/>
+              </a:ext>
+            </a:extLst>
+          </p:cNvPr>
+          <p:cNvSpPr>
+            <a:spLocks noGrp="1"/>
+          </p:cNvSpPr>
+          <p:nvPr>
+            <p:ph idx="1"/>
+          </p:nvPr>
+        </p:nvSpPr>
+        <p:spPr/>
+        <p:txBody>
+          <a:bodyPr/>
+          <a:lstStyle/>
+          <a:p>
+            <a:endParaRPr lang="zh-TW" altLang="en-US"/>
+          </a:p>
+        </p:txBody>
+      </p:sp>
+      <p:pic>
+        <p:nvPicPr>
+          <p:cNvPr id="4" name="Picture 3">
+            <a:extLst>
+              <a:ext uri="{FF2B5EF4-FFF2-40B4-BE49-F238E27FC236}">
+                <a16:creationId xmlns:a16="http://schemas.microsoft.com/office/drawing/2014/main" id="{F92D47C7-189E-4875-83A4-0A254C987C83}"/>
+              </a:ext>
+            </a:extLst>
+          </p:cNvPr>
+          <p:cNvPicPr>
+            <a:picLocks noChangeAspect="1"/>
+          </p:cNvPicPr>
+          <p:nvPr/>
+        </p:nvPicPr>
+        <p:blipFill>
+          <a:blip r:embed="rId2"/>
+          <a:stretch>
+            <a:fillRect/>
+          </a:stretch>
+        </p:blipFill>
+        <p:spPr>
+          <a:xfrm>
+            <a:off x="3874676" y="3003102"/>
+            <a:ext cx="3885033" cy="1800066"/>
+          </a:xfrm>
+          <a:prstGeom prst="rect">
+            <a:avLst/>
+          </a:prstGeom>
+        </p:spPr>
+      </p:pic>
+    </p:spTree>
+    <p:extLst>
+      <p:ext uri="{BB962C8B-B14F-4D97-AF65-F5344CB8AC3E}">
+        <p14:creationId xmlns:p14="http://schemas.microsoft.com/office/powerpoint/2010/main" val="2808936155"/>
       </p:ext>
     </p:extLst>
   </p:cSld>
@@ -8330,6 +9168,862 @@
     <p:extLst>
       <p:ext uri="{BB962C8B-B14F-4D97-AF65-F5344CB8AC3E}">
         <p14:creationId xmlns:p14="http://schemas.microsoft.com/office/powerpoint/2010/main" val="4278497145"/>
+      </p:ext>
+    </p:extLst>
+  </p:cSld>
+  <p:clrMapOvr>
+    <a:masterClrMapping/>
+  </p:clrMapOvr>
+</p:sld>
+</file>
+
+<file path=ppt/slides/slide50.xml><?xml version="1.0" encoding="utf-8"?>
+<p:sld xmlns:a="http://schemas.openxmlformats.org/drawingml/2006/main" xmlns:r="http://schemas.openxmlformats.org/officeDocument/2006/relationships" xmlns:p="http://schemas.openxmlformats.org/presentationml/2006/main">
+  <p:cSld>
+    <p:spTree>
+      <p:nvGrpSpPr>
+        <p:cNvPr id="1" name=""/>
+        <p:cNvGrpSpPr/>
+        <p:nvPr/>
+      </p:nvGrpSpPr>
+      <p:grpSpPr>
+        <a:xfrm>
+          <a:off x="0" y="0"/>
+          <a:ext cx="0" cy="0"/>
+          <a:chOff x="0" y="0"/>
+          <a:chExt cx="0" cy="0"/>
+        </a:xfrm>
+      </p:grpSpPr>
+      <p:sp>
+        <p:nvSpPr>
+          <p:cNvPr id="2" name="Title 1">
+            <a:extLst>
+              <a:ext uri="{FF2B5EF4-FFF2-40B4-BE49-F238E27FC236}">
+                <a16:creationId xmlns:a16="http://schemas.microsoft.com/office/drawing/2014/main" id="{62244401-4027-4A06-B776-910CFEB377F2}"/>
+              </a:ext>
+            </a:extLst>
+          </p:cNvPr>
+          <p:cNvSpPr>
+            <a:spLocks noGrp="1"/>
+          </p:cNvSpPr>
+          <p:nvPr>
+            <p:ph type="title"/>
+          </p:nvPr>
+        </p:nvSpPr>
+        <p:spPr/>
+        <p:txBody>
+          <a:bodyPr/>
+          <a:lstStyle/>
+          <a:p>
+            <a:endParaRPr lang="zh-TW" altLang="en-US"/>
+          </a:p>
+        </p:txBody>
+      </p:sp>
+      <p:sp>
+        <p:nvSpPr>
+          <p:cNvPr id="3" name="Content Placeholder 2">
+            <a:extLst>
+              <a:ext uri="{FF2B5EF4-FFF2-40B4-BE49-F238E27FC236}">
+                <a16:creationId xmlns:a16="http://schemas.microsoft.com/office/drawing/2014/main" id="{68B01CAB-5546-4C3E-97AF-1998563297C4}"/>
+              </a:ext>
+            </a:extLst>
+          </p:cNvPr>
+          <p:cNvSpPr>
+            <a:spLocks noGrp="1"/>
+          </p:cNvSpPr>
+          <p:nvPr>
+            <p:ph idx="1"/>
+          </p:nvPr>
+        </p:nvSpPr>
+        <p:spPr/>
+        <p:txBody>
+          <a:bodyPr/>
+          <a:lstStyle/>
+          <a:p>
+            <a:endParaRPr lang="zh-TW" altLang="en-US"/>
+          </a:p>
+        </p:txBody>
+      </p:sp>
+      <p:pic>
+        <p:nvPicPr>
+          <p:cNvPr id="4" name="Picture 3">
+            <a:extLst>
+              <a:ext uri="{FF2B5EF4-FFF2-40B4-BE49-F238E27FC236}">
+                <a16:creationId xmlns:a16="http://schemas.microsoft.com/office/drawing/2014/main" id="{EE175F23-D237-40B1-AD85-1842163BB859}"/>
+              </a:ext>
+            </a:extLst>
+          </p:cNvPr>
+          <p:cNvPicPr>
+            <a:picLocks noChangeAspect="1"/>
+          </p:cNvPicPr>
+          <p:nvPr/>
+        </p:nvPicPr>
+        <p:blipFill>
+          <a:blip r:embed="rId2"/>
+          <a:stretch>
+            <a:fillRect/>
+          </a:stretch>
+        </p:blipFill>
+        <p:spPr>
+          <a:xfrm>
+            <a:off x="4339838" y="2628689"/>
+            <a:ext cx="3042143" cy="2662787"/>
+          </a:xfrm>
+          <a:prstGeom prst="rect">
+            <a:avLst/>
+          </a:prstGeom>
+        </p:spPr>
+      </p:pic>
+    </p:spTree>
+    <p:extLst>
+      <p:ext uri="{BB962C8B-B14F-4D97-AF65-F5344CB8AC3E}">
+        <p14:creationId xmlns:p14="http://schemas.microsoft.com/office/powerpoint/2010/main" val="3170544490"/>
+      </p:ext>
+    </p:extLst>
+  </p:cSld>
+  <p:clrMapOvr>
+    <a:masterClrMapping/>
+  </p:clrMapOvr>
+</p:sld>
+</file>
+
+<file path=ppt/slides/slide51.xml><?xml version="1.0" encoding="utf-8"?>
+<p:sld xmlns:a="http://schemas.openxmlformats.org/drawingml/2006/main" xmlns:r="http://schemas.openxmlformats.org/officeDocument/2006/relationships" xmlns:p="http://schemas.openxmlformats.org/presentationml/2006/main">
+  <p:cSld>
+    <p:spTree>
+      <p:nvGrpSpPr>
+        <p:cNvPr id="1" name=""/>
+        <p:cNvGrpSpPr/>
+        <p:nvPr/>
+      </p:nvGrpSpPr>
+      <p:grpSpPr>
+        <a:xfrm>
+          <a:off x="0" y="0"/>
+          <a:ext cx="0" cy="0"/>
+          <a:chOff x="0" y="0"/>
+          <a:chExt cx="0" cy="0"/>
+        </a:xfrm>
+      </p:grpSpPr>
+      <p:sp>
+        <p:nvSpPr>
+          <p:cNvPr id="2" name="Title 1">
+            <a:extLst>
+              <a:ext uri="{FF2B5EF4-FFF2-40B4-BE49-F238E27FC236}">
+                <a16:creationId xmlns:a16="http://schemas.microsoft.com/office/drawing/2014/main" id="{E69F1EF0-9EC0-459D-BD38-CCF19575260B}"/>
+              </a:ext>
+            </a:extLst>
+          </p:cNvPr>
+          <p:cNvSpPr>
+            <a:spLocks noGrp="1"/>
+          </p:cNvSpPr>
+          <p:nvPr>
+            <p:ph type="title"/>
+          </p:nvPr>
+        </p:nvSpPr>
+        <p:spPr/>
+        <p:txBody>
+          <a:bodyPr/>
+          <a:lstStyle/>
+          <a:p>
+            <a:endParaRPr lang="zh-TW" altLang="en-US"/>
+          </a:p>
+        </p:txBody>
+      </p:sp>
+      <mc:AlternateContent xmlns:mc="http://schemas.openxmlformats.org/markup-compatibility/2006">
+        <mc:Choice xmlns:a14="http://schemas.microsoft.com/office/drawing/2010/main" Requires="a14">
+          <p:sp>
+            <p:nvSpPr>
+              <p:cNvPr id="3" name="Content Placeholder 2">
+                <a:extLst>
+                  <a:ext uri="{FF2B5EF4-FFF2-40B4-BE49-F238E27FC236}">
+                    <a16:creationId xmlns:a16="http://schemas.microsoft.com/office/drawing/2014/main" id="{9633BB7B-3846-4500-B0D6-10EF115A0258}"/>
+                  </a:ext>
+                </a:extLst>
+              </p:cNvPr>
+              <p:cNvSpPr>
+                <a:spLocks noGrp="1"/>
+              </p:cNvSpPr>
+              <p:nvPr>
+                <p:ph idx="1"/>
+              </p:nvPr>
+            </p:nvSpPr>
+            <p:spPr/>
+            <p:txBody>
+              <a:bodyPr/>
+              <a:lstStyle/>
+              <a:p>
+                <a:r>
+                  <a:rPr lang="en-GB" altLang="zh-TW" dirty="0"/>
+                  <a:t>If each character </a:t>
+                </a:r>
+                <a14:m>
+                  <m:oMath xmlns:m="http://schemas.openxmlformats.org/officeDocument/2006/math">
+                    <m:sSub>
+                      <m:sSubPr>
+                        <m:ctrlPr>
+                          <a:rPr lang="en-GB" altLang="zh-TW" i="1" smtClean="0">
+                            <a:latin typeface="Cambria Math" panose="02040503050406030204" pitchFamily="18" charset="0"/>
+                          </a:rPr>
+                        </m:ctrlPr>
+                      </m:sSubPr>
+                      <m:e>
+                        <m:r>
+                          <a:rPr lang="en-GB" altLang="zh-TW" b="0" i="1" smtClean="0">
+                            <a:latin typeface="Cambria Math" panose="02040503050406030204" pitchFamily="18" charset="0"/>
+                          </a:rPr>
+                          <m:t>𝑐</m:t>
+                        </m:r>
+                      </m:e>
+                      <m:sub>
+                        <m:r>
+                          <a:rPr lang="en-GB" altLang="zh-TW" b="0" i="1" smtClean="0">
+                            <a:latin typeface="Cambria Math" panose="02040503050406030204" pitchFamily="18" charset="0"/>
+                          </a:rPr>
+                          <m:t>𝑖</m:t>
+                        </m:r>
+                      </m:sub>
+                    </m:sSub>
+                  </m:oMath>
+                </a14:m>
+                <a:r>
+                  <a:rPr lang="zh-TW" altLang="en-US" dirty="0"/>
+                  <a:t> </a:t>
+                </a:r>
+                <a:r>
+                  <a:rPr lang="en-GB" altLang="zh-TW" dirty="0"/>
+                  <a:t>appears with frequency </a:t>
+                </a:r>
+                <a14:m>
+                  <m:oMath xmlns:m="http://schemas.openxmlformats.org/officeDocument/2006/math">
+                    <m:sSub>
+                      <m:sSubPr>
+                        <m:ctrlPr>
+                          <a:rPr lang="en-GB" altLang="zh-TW" i="1" smtClean="0">
+                            <a:latin typeface="Cambria Math" panose="02040503050406030204" pitchFamily="18" charset="0"/>
+                          </a:rPr>
+                        </m:ctrlPr>
+                      </m:sSubPr>
+                      <m:e>
+                        <m:r>
+                          <a:rPr lang="en-GB" altLang="zh-TW" b="0" i="1" smtClean="0">
+                            <a:latin typeface="Cambria Math" panose="02040503050406030204" pitchFamily="18" charset="0"/>
+                          </a:rPr>
+                          <m:t>𝑓</m:t>
+                        </m:r>
+                      </m:e>
+                      <m:sub>
+                        <m:r>
+                          <a:rPr lang="en-GB" altLang="zh-TW" b="0" i="1" smtClean="0">
+                            <a:latin typeface="Cambria Math" panose="02040503050406030204" pitchFamily="18" charset="0"/>
+                          </a:rPr>
+                          <m:t>𝑖</m:t>
+                        </m:r>
+                      </m:sub>
+                    </m:sSub>
+                  </m:oMath>
+                </a14:m>
+                <a:endParaRPr lang="en-GB" altLang="zh-TW" dirty="0"/>
+              </a:p>
+              <a:p>
+                <a:r>
+                  <a:rPr lang="en-GB" altLang="zh-TW" dirty="0"/>
+                  <a:t>Huffman tree minimizes </a:t>
+                </a:r>
+                <a14:m>
+                  <m:oMath xmlns:m="http://schemas.openxmlformats.org/officeDocument/2006/math">
+                    <m:nary>
+                      <m:naryPr>
+                        <m:chr m:val="∑"/>
+                        <m:subHide m:val="on"/>
+                        <m:supHide m:val="on"/>
+                        <m:ctrlPr>
+                          <a:rPr lang="en-GB" altLang="zh-TW" i="1" smtClean="0">
+                            <a:latin typeface="Cambria Math" panose="02040503050406030204" pitchFamily="18" charset="0"/>
+                          </a:rPr>
+                        </m:ctrlPr>
+                      </m:naryPr>
+                      <m:sub/>
+                      <m:sup/>
+                      <m:e>
+                        <m:sSub>
+                          <m:sSubPr>
+                            <m:ctrlPr>
+                              <a:rPr lang="en-GB" altLang="zh-TW" i="1" smtClean="0">
+                                <a:latin typeface="Cambria Math" panose="02040503050406030204" pitchFamily="18" charset="0"/>
+                              </a:rPr>
+                            </m:ctrlPr>
+                          </m:sSubPr>
+                          <m:e>
+                            <m:r>
+                              <a:rPr lang="en-GB" altLang="zh-TW" b="0" i="1" smtClean="0">
+                                <a:latin typeface="Cambria Math" panose="02040503050406030204" pitchFamily="18" charset="0"/>
+                              </a:rPr>
+                              <m:t>𝑓</m:t>
+                            </m:r>
+                          </m:e>
+                          <m:sub>
+                            <m:r>
+                              <a:rPr lang="en-GB" altLang="zh-TW" b="0" i="1" smtClean="0">
+                                <a:latin typeface="Cambria Math" panose="02040503050406030204" pitchFamily="18" charset="0"/>
+                              </a:rPr>
+                              <m:t>𝑖</m:t>
+                            </m:r>
+                          </m:sub>
+                        </m:sSub>
+                        <m:sSub>
+                          <m:sSubPr>
+                            <m:ctrlPr>
+                              <a:rPr lang="en-GB" altLang="zh-TW" i="1" smtClean="0">
+                                <a:latin typeface="Cambria Math" panose="02040503050406030204" pitchFamily="18" charset="0"/>
+                              </a:rPr>
+                            </m:ctrlPr>
+                          </m:sSubPr>
+                          <m:e>
+                            <m:r>
+                              <a:rPr lang="en-GB" altLang="zh-TW" b="0" i="1" smtClean="0">
+                                <a:latin typeface="Cambria Math" panose="02040503050406030204" pitchFamily="18" charset="0"/>
+                              </a:rPr>
+                              <m:t>𝑑</m:t>
+                            </m:r>
+                          </m:e>
+                          <m:sub>
+                            <m:r>
+                              <a:rPr lang="en-GB" altLang="zh-TW" b="0" i="1" smtClean="0">
+                                <a:latin typeface="Cambria Math" panose="02040503050406030204" pitchFamily="18" charset="0"/>
+                              </a:rPr>
+                              <m:t>𝑖</m:t>
+                            </m:r>
+                          </m:sub>
+                        </m:sSub>
+                      </m:e>
+                    </m:nary>
+                  </m:oMath>
+                </a14:m>
+                <a:r>
+                  <a:rPr lang="en-GB" altLang="zh-TW" dirty="0"/>
+                  <a:t>, where </a:t>
+                </a:r>
+                <a14:m>
+                  <m:oMath xmlns:m="http://schemas.openxmlformats.org/officeDocument/2006/math">
+                    <m:sSub>
+                      <m:sSubPr>
+                        <m:ctrlPr>
+                          <a:rPr lang="en-GB" altLang="zh-TW" i="1">
+                            <a:latin typeface="Cambria Math" panose="02040503050406030204" pitchFamily="18" charset="0"/>
+                          </a:rPr>
+                        </m:ctrlPr>
+                      </m:sSubPr>
+                      <m:e>
+                        <m:r>
+                          <a:rPr lang="en-GB" altLang="zh-TW" i="1">
+                            <a:latin typeface="Cambria Math" panose="02040503050406030204" pitchFamily="18" charset="0"/>
+                          </a:rPr>
+                          <m:t>𝑑</m:t>
+                        </m:r>
+                      </m:e>
+                      <m:sub>
+                        <m:r>
+                          <a:rPr lang="en-GB" altLang="zh-TW" i="1">
+                            <a:latin typeface="Cambria Math" panose="02040503050406030204" pitchFamily="18" charset="0"/>
+                          </a:rPr>
+                          <m:t>𝑖</m:t>
+                        </m:r>
+                      </m:sub>
+                    </m:sSub>
+                  </m:oMath>
+                </a14:m>
+                <a:r>
+                  <a:rPr lang="zh-TW" altLang="en-US" dirty="0"/>
+                  <a:t> </a:t>
+                </a:r>
+                <a:r>
+                  <a:rPr lang="en-GB" altLang="zh-TW" dirty="0"/>
+                  <a:t>is the depth of </a:t>
+                </a:r>
+                <a14:m>
+                  <m:oMath xmlns:m="http://schemas.openxmlformats.org/officeDocument/2006/math">
+                    <m:sSub>
+                      <m:sSubPr>
+                        <m:ctrlPr>
+                          <a:rPr lang="en-GB" altLang="zh-TW" i="1">
+                            <a:latin typeface="Cambria Math" panose="02040503050406030204" pitchFamily="18" charset="0"/>
+                          </a:rPr>
+                        </m:ctrlPr>
+                      </m:sSubPr>
+                      <m:e>
+                        <m:r>
+                          <a:rPr lang="en-GB" altLang="zh-TW" i="1">
+                            <a:latin typeface="Cambria Math" panose="02040503050406030204" pitchFamily="18" charset="0"/>
+                          </a:rPr>
+                          <m:t>𝑐</m:t>
+                        </m:r>
+                      </m:e>
+                      <m:sub>
+                        <m:r>
+                          <a:rPr lang="en-GB" altLang="zh-TW" i="1">
+                            <a:latin typeface="Cambria Math" panose="02040503050406030204" pitchFamily="18" charset="0"/>
+                          </a:rPr>
+                          <m:t>𝑖</m:t>
+                        </m:r>
+                      </m:sub>
+                    </m:sSub>
+                  </m:oMath>
+                </a14:m>
+                <a:endParaRPr lang="en-GB" altLang="zh-TW" dirty="0"/>
+              </a:p>
+              <a:p>
+                <a:endParaRPr lang="en-GB" altLang="zh-TW" dirty="0"/>
+              </a:p>
+              <a:p>
+                <a:r>
+                  <a:rPr lang="en-GB" altLang="zh-TW" dirty="0"/>
+                  <a:t>This sum is also the length of the encoded sequence.</a:t>
+                </a:r>
+                <a:endParaRPr lang="zh-TW" altLang="en-US" dirty="0"/>
+              </a:p>
+            </p:txBody>
+          </p:sp>
+        </mc:Choice>
+        <mc:Fallback>
+          <p:sp>
+            <p:nvSpPr>
+              <p:cNvPr id="3" name="Content Placeholder 2">
+                <a:extLst>
+                  <a:ext uri="{FF2B5EF4-FFF2-40B4-BE49-F238E27FC236}">
+                    <a16:creationId xmlns:a16="http://schemas.microsoft.com/office/drawing/2014/main" id="{9633BB7B-3846-4500-B0D6-10EF115A0258}"/>
+                  </a:ext>
+                </a:extLst>
+              </p:cNvPr>
+              <p:cNvSpPr>
+                <a:spLocks noGrp="1" noRot="1" noChangeAspect="1" noMove="1" noResize="1" noEditPoints="1" noAdjustHandles="1" noChangeArrowheads="1" noChangeShapeType="1" noTextEdit="1"/>
+              </p:cNvSpPr>
+              <p:nvPr>
+                <p:ph idx="1"/>
+              </p:nvPr>
+            </p:nvSpPr>
+            <p:spPr>
+              <a:blipFill>
+                <a:blip r:embed="rId2"/>
+                <a:stretch>
+                  <a:fillRect l="-1043" t="-2241"/>
+                </a:stretch>
+              </a:blipFill>
+            </p:spPr>
+            <p:txBody>
+              <a:bodyPr/>
+              <a:lstStyle/>
+              <a:p>
+                <a:r>
+                  <a:rPr lang="zh-TW" altLang="en-US">
+                    <a:noFill/>
+                  </a:rPr>
+                  <a:t> </a:t>
+                </a:r>
+              </a:p>
+            </p:txBody>
+          </p:sp>
+        </mc:Fallback>
+      </mc:AlternateContent>
+    </p:spTree>
+    <p:extLst>
+      <p:ext uri="{BB962C8B-B14F-4D97-AF65-F5344CB8AC3E}">
+        <p14:creationId xmlns:p14="http://schemas.microsoft.com/office/powerpoint/2010/main" val="468458755"/>
+      </p:ext>
+    </p:extLst>
+  </p:cSld>
+  <p:clrMapOvr>
+    <a:masterClrMapping/>
+  </p:clrMapOvr>
+</p:sld>
+</file>
+
+<file path=ppt/slides/slide52.xml><?xml version="1.0" encoding="utf-8"?>
+<p:sld xmlns:a="http://schemas.openxmlformats.org/drawingml/2006/main" xmlns:r="http://schemas.openxmlformats.org/officeDocument/2006/relationships" xmlns:p="http://schemas.openxmlformats.org/presentationml/2006/main">
+  <p:cSld>
+    <p:spTree>
+      <p:nvGrpSpPr>
+        <p:cNvPr id="1" name=""/>
+        <p:cNvGrpSpPr/>
+        <p:nvPr/>
+      </p:nvGrpSpPr>
+      <p:grpSpPr>
+        <a:xfrm>
+          <a:off x="0" y="0"/>
+          <a:ext cx="0" cy="0"/>
+          <a:chOff x="0" y="0"/>
+          <a:chExt cx="0" cy="0"/>
+        </a:xfrm>
+      </p:grpSpPr>
+      <p:sp>
+        <p:nvSpPr>
+          <p:cNvPr id="2" name="Title 1">
+            <a:extLst>
+              <a:ext uri="{FF2B5EF4-FFF2-40B4-BE49-F238E27FC236}">
+                <a16:creationId xmlns:a16="http://schemas.microsoft.com/office/drawing/2014/main" id="{6A7130E1-6C9C-4E66-8136-E0DDE315C37E}"/>
+              </a:ext>
+            </a:extLst>
+          </p:cNvPr>
+          <p:cNvSpPr>
+            <a:spLocks noGrp="1"/>
+          </p:cNvSpPr>
+          <p:nvPr>
+            <p:ph type="title"/>
+          </p:nvPr>
+        </p:nvSpPr>
+        <p:spPr/>
+        <p:txBody>
+          <a:bodyPr/>
+          <a:lstStyle/>
+          <a:p>
+            <a:r>
+              <a:rPr lang="en-GB" altLang="zh-TW" dirty="0"/>
+              <a:t>Homework</a:t>
+            </a:r>
+            <a:endParaRPr lang="zh-TW" altLang="en-US" dirty="0"/>
+          </a:p>
+        </p:txBody>
+      </p:sp>
+      <p:sp>
+        <p:nvSpPr>
+          <p:cNvPr id="3" name="Content Placeholder 2">
+            <a:extLst>
+              <a:ext uri="{FF2B5EF4-FFF2-40B4-BE49-F238E27FC236}">
+                <a16:creationId xmlns:a16="http://schemas.microsoft.com/office/drawing/2014/main" id="{64B33086-B790-4053-9E60-3DCFBF6E44AC}"/>
+              </a:ext>
+            </a:extLst>
+          </p:cNvPr>
+          <p:cNvSpPr>
+            <a:spLocks noGrp="1"/>
+          </p:cNvSpPr>
+          <p:nvPr>
+            <p:ph idx="1"/>
+          </p:nvPr>
+        </p:nvSpPr>
+        <p:spPr/>
+        <p:txBody>
+          <a:bodyPr/>
+          <a:lstStyle/>
+          <a:p>
+            <a:r>
+              <a:rPr lang="en-GB" altLang="zh-TW" dirty="0"/>
+              <a:t>Read a proof of the optimality of Huffman’s algorithm</a:t>
+            </a:r>
+          </a:p>
+          <a:p>
+            <a:endParaRPr lang="en-GB" altLang="zh-TW" dirty="0"/>
+          </a:p>
+          <a:p>
+            <a:r>
+              <a:rPr lang="en-GB" altLang="zh-TW" dirty="0"/>
+              <a:t>http://www.utdallas.edu/~sizheng/CS4349.d/l-notes.d/L9.pdf</a:t>
+            </a:r>
+            <a:endParaRPr lang="zh-TW" altLang="en-US" dirty="0"/>
+          </a:p>
+        </p:txBody>
+      </p:sp>
+    </p:spTree>
+    <p:extLst>
+      <p:ext uri="{BB962C8B-B14F-4D97-AF65-F5344CB8AC3E}">
+        <p14:creationId xmlns:p14="http://schemas.microsoft.com/office/powerpoint/2010/main" val="3508377479"/>
+      </p:ext>
+    </p:extLst>
+  </p:cSld>
+  <p:clrMapOvr>
+    <a:masterClrMapping/>
+  </p:clrMapOvr>
+</p:sld>
+</file>
+
+<file path=ppt/slides/slide53.xml><?xml version="1.0" encoding="utf-8"?>
+<p:sld xmlns:a="http://schemas.openxmlformats.org/drawingml/2006/main" xmlns:r="http://schemas.openxmlformats.org/officeDocument/2006/relationships" xmlns:p="http://schemas.openxmlformats.org/presentationml/2006/main">
+  <p:cSld>
+    <p:spTree>
+      <p:nvGrpSpPr>
+        <p:cNvPr id="1" name=""/>
+        <p:cNvGrpSpPr/>
+        <p:nvPr/>
+      </p:nvGrpSpPr>
+      <p:grpSpPr>
+        <a:xfrm>
+          <a:off x="0" y="0"/>
+          <a:ext cx="0" cy="0"/>
+          <a:chOff x="0" y="0"/>
+          <a:chExt cx="0" cy="0"/>
+        </a:xfrm>
+      </p:grpSpPr>
+      <p:sp>
+        <p:nvSpPr>
+          <p:cNvPr id="2" name="Title 1">
+            <a:extLst>
+              <a:ext uri="{FF2B5EF4-FFF2-40B4-BE49-F238E27FC236}">
+                <a16:creationId xmlns:a16="http://schemas.microsoft.com/office/drawing/2014/main" id="{5AC598DB-FCB5-43CF-858E-C730C520C9E0}"/>
+              </a:ext>
+            </a:extLst>
+          </p:cNvPr>
+          <p:cNvSpPr>
+            <a:spLocks noGrp="1"/>
+          </p:cNvSpPr>
+          <p:nvPr>
+            <p:ph type="title"/>
+          </p:nvPr>
+        </p:nvSpPr>
+        <p:spPr/>
+        <p:txBody>
+          <a:bodyPr/>
+          <a:lstStyle/>
+          <a:p>
+            <a:r>
+              <a:rPr lang="en-GB" altLang="zh-TW" dirty="0"/>
+              <a:t>C++ implementation</a:t>
+            </a:r>
+            <a:endParaRPr lang="zh-TW" altLang="en-US" dirty="0"/>
+          </a:p>
+        </p:txBody>
+      </p:sp>
+      <p:sp>
+        <p:nvSpPr>
+          <p:cNvPr id="3" name="Content Placeholder 2">
+            <a:extLst>
+              <a:ext uri="{FF2B5EF4-FFF2-40B4-BE49-F238E27FC236}">
+                <a16:creationId xmlns:a16="http://schemas.microsoft.com/office/drawing/2014/main" id="{A502BE6C-1802-4359-BA93-4287B71A221A}"/>
+              </a:ext>
+            </a:extLst>
+          </p:cNvPr>
+          <p:cNvSpPr>
+            <a:spLocks noGrp="1"/>
+          </p:cNvSpPr>
+          <p:nvPr>
+            <p:ph idx="1"/>
+          </p:nvPr>
+        </p:nvSpPr>
+        <p:spPr/>
+        <p:txBody>
+          <a:bodyPr/>
+          <a:lstStyle/>
+          <a:p>
+            <a:r>
+              <a:rPr lang="en-GB" altLang="zh-TW" dirty="0"/>
+              <a:t>while(</a:t>
+            </a:r>
+            <a:r>
+              <a:rPr lang="en-GB" altLang="zh-TW" dirty="0" err="1"/>
+              <a:t>q.size</a:t>
+            </a:r>
+            <a:r>
+              <a:rPr lang="en-GB" altLang="zh-TW" dirty="0"/>
+              <a:t>()&gt;1){</a:t>
+            </a:r>
+          </a:p>
+          <a:p>
+            <a:pPr lvl="1"/>
+            <a:r>
+              <a:rPr lang="en-GB" altLang="zh-TW" dirty="0" err="1"/>
+              <a:t>HuffmanTree</a:t>
+            </a:r>
+            <a:r>
+              <a:rPr lang="en-GB" altLang="zh-TW" dirty="0"/>
+              <a:t> left = </a:t>
+            </a:r>
+            <a:r>
+              <a:rPr lang="en-GB" altLang="zh-TW" dirty="0" err="1"/>
+              <a:t>q.top</a:t>
+            </a:r>
+            <a:r>
+              <a:rPr lang="en-GB" altLang="zh-TW" dirty="0"/>
+              <a:t>();</a:t>
+            </a:r>
+          </a:p>
+          <a:p>
+            <a:pPr lvl="1"/>
+            <a:r>
+              <a:rPr lang="en-GB" altLang="zh-TW" dirty="0" err="1"/>
+              <a:t>q.pop</a:t>
+            </a:r>
+            <a:r>
+              <a:rPr lang="en-GB" altLang="zh-TW" dirty="0"/>
+              <a:t>();</a:t>
+            </a:r>
+          </a:p>
+          <a:p>
+            <a:pPr lvl="1"/>
+            <a:r>
+              <a:rPr lang="en-GB" altLang="zh-TW" dirty="0" err="1"/>
+              <a:t>HuffmanTree</a:t>
+            </a:r>
+            <a:r>
+              <a:rPr lang="en-GB" altLang="zh-TW" dirty="0"/>
+              <a:t> right = </a:t>
+            </a:r>
+            <a:r>
+              <a:rPr lang="en-GB" altLang="zh-TW" dirty="0" err="1"/>
+              <a:t>q.top</a:t>
+            </a:r>
+            <a:r>
+              <a:rPr lang="en-GB" altLang="zh-TW" dirty="0"/>
+              <a:t>();</a:t>
+            </a:r>
+          </a:p>
+          <a:p>
+            <a:pPr lvl="1"/>
+            <a:r>
+              <a:rPr lang="en-GB" altLang="zh-TW" dirty="0" err="1"/>
+              <a:t>q.pop</a:t>
+            </a:r>
+            <a:r>
+              <a:rPr lang="en-GB" altLang="zh-TW" dirty="0"/>
+              <a:t>();</a:t>
+            </a:r>
+          </a:p>
+          <a:p>
+            <a:pPr lvl="1"/>
+            <a:r>
+              <a:rPr lang="en-US" altLang="zh-TW" dirty="0" err="1"/>
+              <a:t>q.push</a:t>
+            </a:r>
+            <a:r>
+              <a:rPr lang="en-US" altLang="zh-TW" dirty="0"/>
+              <a:t>(</a:t>
+            </a:r>
+            <a:r>
+              <a:rPr lang="en-US" altLang="zh-TW" dirty="0" err="1"/>
+              <a:t>HuffmanTree</a:t>
+            </a:r>
+            <a:r>
+              <a:rPr lang="en-US" altLang="zh-TW" dirty="0"/>
+              <a:t>(&amp;left, &amp;right));</a:t>
+            </a:r>
+          </a:p>
+          <a:p>
+            <a:r>
+              <a:rPr lang="en-US" altLang="zh-TW" dirty="0"/>
+              <a:t>}</a:t>
+            </a:r>
+            <a:endParaRPr lang="zh-TW" altLang="en-US" dirty="0"/>
+          </a:p>
+        </p:txBody>
+      </p:sp>
+    </p:spTree>
+    <p:extLst>
+      <p:ext uri="{BB962C8B-B14F-4D97-AF65-F5344CB8AC3E}">
+        <p14:creationId xmlns:p14="http://schemas.microsoft.com/office/powerpoint/2010/main" val="2192536795"/>
+      </p:ext>
+    </p:extLst>
+  </p:cSld>
+  <p:clrMapOvr>
+    <a:masterClrMapping/>
+  </p:clrMapOvr>
+</p:sld>
+</file>
+
+<file path=ppt/slides/slide54.xml><?xml version="1.0" encoding="utf-8"?>
+<p:sld xmlns:a="http://schemas.openxmlformats.org/drawingml/2006/main" xmlns:r="http://schemas.openxmlformats.org/officeDocument/2006/relationships" xmlns:p="http://schemas.openxmlformats.org/presentationml/2006/main">
+  <p:cSld>
+    <p:spTree>
+      <p:nvGrpSpPr>
+        <p:cNvPr id="1" name=""/>
+        <p:cNvGrpSpPr/>
+        <p:nvPr/>
+      </p:nvGrpSpPr>
+      <p:grpSpPr>
+        <a:xfrm>
+          <a:off x="0" y="0"/>
+          <a:ext cx="0" cy="0"/>
+          <a:chOff x="0" y="0"/>
+          <a:chExt cx="0" cy="0"/>
+        </a:xfrm>
+      </p:grpSpPr>
+      <p:sp>
+        <p:nvSpPr>
+          <p:cNvPr id="2" name="Title 1">
+            <a:extLst>
+              <a:ext uri="{FF2B5EF4-FFF2-40B4-BE49-F238E27FC236}">
+                <a16:creationId xmlns:a16="http://schemas.microsoft.com/office/drawing/2014/main" id="{F59020BA-FBEC-4AA5-B239-346296B4D227}"/>
+              </a:ext>
+            </a:extLst>
+          </p:cNvPr>
+          <p:cNvSpPr>
+            <a:spLocks noGrp="1"/>
+          </p:cNvSpPr>
+          <p:nvPr>
+            <p:ph type="title"/>
+          </p:nvPr>
+        </p:nvSpPr>
+        <p:spPr/>
+        <p:txBody>
+          <a:bodyPr/>
+          <a:lstStyle/>
+          <a:p>
+            <a:r>
+              <a:rPr lang="en-GB" altLang="zh-TW" dirty="0"/>
+              <a:t>Exercise/homework</a:t>
+            </a:r>
+            <a:endParaRPr lang="zh-TW" altLang="en-US" dirty="0"/>
+          </a:p>
+        </p:txBody>
+      </p:sp>
+      <p:sp>
+        <p:nvSpPr>
+          <p:cNvPr id="3" name="Content Placeholder 2">
+            <a:extLst>
+              <a:ext uri="{FF2B5EF4-FFF2-40B4-BE49-F238E27FC236}">
+                <a16:creationId xmlns:a16="http://schemas.microsoft.com/office/drawing/2014/main" id="{272806B2-7A77-4EED-BD66-28BC697B4EA8}"/>
+              </a:ext>
+            </a:extLst>
+          </p:cNvPr>
+          <p:cNvSpPr>
+            <a:spLocks noGrp="1"/>
+          </p:cNvSpPr>
+          <p:nvPr>
+            <p:ph idx="1"/>
+          </p:nvPr>
+        </p:nvSpPr>
+        <p:spPr/>
+        <p:txBody>
+          <a:bodyPr/>
+          <a:lstStyle/>
+          <a:p>
+            <a:r>
+              <a:rPr lang="en-GB" altLang="zh-TW" dirty="0"/>
+              <a:t>Write method encode(string s) that will construct the </a:t>
+            </a:r>
+            <a:r>
+              <a:rPr lang="en-GB" altLang="zh-TW" dirty="0" err="1"/>
+              <a:t>HuffmanTree</a:t>
+            </a:r>
+            <a:r>
+              <a:rPr lang="en-GB" altLang="zh-TW" dirty="0"/>
+              <a:t> from s, and output the encoded string (0 and 1’s) of s.</a:t>
+            </a:r>
+          </a:p>
+          <a:p>
+            <a:endParaRPr lang="en-GB" altLang="zh-TW" dirty="0"/>
+          </a:p>
+          <a:p>
+            <a:r>
+              <a:rPr lang="en-GB" altLang="zh-TW" dirty="0"/>
+              <a:t>Write a method decode(string s) that will do the inverse.</a:t>
+            </a:r>
+          </a:p>
+          <a:p>
+            <a:endParaRPr lang="en-GB" altLang="zh-TW" dirty="0"/>
+          </a:p>
+          <a:p>
+            <a:r>
+              <a:rPr lang="en-GB" altLang="zh-TW" dirty="0"/>
+              <a:t>Hint: use an auxiliary method traverse(map) that will traverse the tree and add the mapping &lt;char, string&gt; </a:t>
+            </a:r>
+            <a:r>
+              <a:rPr lang="en-GB" altLang="zh-TW"/>
+              <a:t>to map.</a:t>
+            </a:r>
+            <a:endParaRPr lang="zh-TW" altLang="en-US" dirty="0"/>
+          </a:p>
+        </p:txBody>
+      </p:sp>
+    </p:spTree>
+    <p:extLst>
+      <p:ext uri="{BB962C8B-B14F-4D97-AF65-F5344CB8AC3E}">
+        <p14:creationId xmlns:p14="http://schemas.microsoft.com/office/powerpoint/2010/main" val="3790744387"/>
       </p:ext>
     </p:extLst>
   </p:cSld>
